--- a/PPT/can.pptx
+++ b/PPT/can.pptx
@@ -205,7 +205,7 @@
           <a:p>
             <a:fld id="{4D7DF079-B216-4363-968D-5C4A3121E751}" type="datetimeFigureOut">
               <a:rPr lang="en-US" smtClean="0"/>
-              <a:t>22-Oct-20</a:t>
+              <a:t>10-Feb-21</a:t>
             </a:fld>
             <a:endParaRPr lang="en-US"/>
           </a:p>
@@ -585,7 +585,7 @@
             <a:fld id="{1D8BD707-D9CF-40AE-B4C6-C98DA3205C09}" type="datetimeFigureOut">
               <a:rPr lang="en-US" smtClean="0"/>
               <a:pPr/>
-              <a:t>22-Oct-20</a:t>
+              <a:t>10-Feb-21</a:t>
             </a:fld>
             <a:endParaRPr lang="en-US"/>
           </a:p>
@@ -813,7 +813,7 @@
             <a:fld id="{1D8BD707-D9CF-40AE-B4C6-C98DA3205C09}" type="datetimeFigureOut">
               <a:rPr lang="en-US" smtClean="0"/>
               <a:pPr/>
-              <a:t>22-Oct-20</a:t>
+              <a:t>10-Feb-21</a:t>
             </a:fld>
             <a:endParaRPr lang="en-US"/>
           </a:p>
@@ -990,7 +990,7 @@
             <a:fld id="{1D8BD707-D9CF-40AE-B4C6-C98DA3205C09}" type="datetimeFigureOut">
               <a:rPr lang="en-US" smtClean="0"/>
               <a:pPr/>
-              <a:t>22-Oct-20</a:t>
+              <a:t>10-Feb-21</a:t>
             </a:fld>
             <a:endParaRPr lang="en-US"/>
           </a:p>
@@ -1157,7 +1157,7 @@
             <a:fld id="{1D8BD707-D9CF-40AE-B4C6-C98DA3205C09}" type="datetimeFigureOut">
               <a:rPr lang="en-US" smtClean="0"/>
               <a:pPr/>
-              <a:t>22-Oct-20</a:t>
+              <a:t>10-Feb-21</a:t>
             </a:fld>
             <a:endParaRPr lang="en-US"/>
           </a:p>
@@ -1403,7 +1403,7 @@
             <a:fld id="{1D8BD707-D9CF-40AE-B4C6-C98DA3205C09}" type="datetimeFigureOut">
               <a:rPr lang="en-US" smtClean="0"/>
               <a:pPr/>
-              <a:t>22-Oct-20</a:t>
+              <a:t>10-Feb-21</a:t>
             </a:fld>
             <a:endParaRPr lang="en-US"/>
           </a:p>
@@ -1669,7 +1669,7 @@
             <a:fld id="{1D8BD707-D9CF-40AE-B4C6-C98DA3205C09}" type="datetimeFigureOut">
               <a:rPr lang="en-US" smtClean="0"/>
               <a:pPr/>
-              <a:t>22-Oct-20</a:t>
+              <a:t>10-Feb-21</a:t>
             </a:fld>
             <a:endParaRPr lang="en-US"/>
           </a:p>
@@ -2045,7 +2045,7 @@
             <a:fld id="{1D8BD707-D9CF-40AE-B4C6-C98DA3205C09}" type="datetimeFigureOut">
               <a:rPr lang="en-US" smtClean="0"/>
               <a:pPr/>
-              <a:t>22-Oct-20</a:t>
+              <a:t>10-Feb-21</a:t>
             </a:fld>
             <a:endParaRPr lang="en-US"/>
           </a:p>
@@ -2160,7 +2160,7 @@
             <a:fld id="{1D8BD707-D9CF-40AE-B4C6-C98DA3205C09}" type="datetimeFigureOut">
               <a:rPr lang="en-US" smtClean="0"/>
               <a:pPr/>
-              <a:t>22-Oct-20</a:t>
+              <a:t>10-Feb-21</a:t>
             </a:fld>
             <a:endParaRPr lang="en-US"/>
           </a:p>
@@ -2252,7 +2252,7 @@
             <a:fld id="{1D8BD707-D9CF-40AE-B4C6-C98DA3205C09}" type="datetimeFigureOut">
               <a:rPr lang="en-US" smtClean="0"/>
               <a:pPr/>
-              <a:t>22-Oct-20</a:t>
+              <a:t>10-Feb-21</a:t>
             </a:fld>
             <a:endParaRPr lang="en-US"/>
           </a:p>
@@ -2512,7 +2512,7 @@
             <a:fld id="{1D8BD707-D9CF-40AE-B4C6-C98DA3205C09}" type="datetimeFigureOut">
               <a:rPr lang="en-US" smtClean="0"/>
               <a:pPr/>
-              <a:t>22-Oct-20</a:t>
+              <a:t>10-Feb-21</a:t>
             </a:fld>
             <a:endParaRPr lang="en-US"/>
           </a:p>
@@ -2778,7 +2778,7 @@
             <a:fld id="{1D8BD707-D9CF-40AE-B4C6-C98DA3205C09}" type="datetimeFigureOut">
               <a:rPr lang="en-US" smtClean="0"/>
               <a:pPr/>
-              <a:t>22-Oct-20</a:t>
+              <a:t>10-Feb-21</a:t>
             </a:fld>
             <a:endParaRPr lang="en-US"/>
           </a:p>
@@ -2997,7 +2997,7 @@
             <a:fld id="{1D8BD707-D9CF-40AE-B4C6-C98DA3205C09}" type="datetimeFigureOut">
               <a:rPr lang="en-US" smtClean="0"/>
               <a:pPr/>
-              <a:t>22-Oct-20</a:t>
+              <a:t>10-Feb-21</a:t>
             </a:fld>
             <a:endParaRPr lang="en-US"/>
           </a:p>
@@ -3547,7 +3547,7 @@
         </p:spPr>
         <p:txBody>
           <a:bodyPr>
-            <a:normAutofit/>
+            <a:normAutofit fontScale="92500"/>
           </a:bodyPr>
           <a:lstStyle/>
           <a:p>
@@ -3686,6 +3686,75 @@
               </a:rPr>
               <a:t>CAN Signal – an individual piece of data contained within the CAN frame data field. You also can refer to CAN signals as channels. Because the data field can contain up to 8 bytes of data, a single CAN frame can contain 0 to 64 individual signals (for 64 channels, they would all be binary). </a:t>
             </a:r>
+            <a:endParaRPr lang="en-US" sz="1600" dirty="0" smtClean="0">
+              <a:latin typeface="Times New Roman" pitchFamily="18" charset="0"/>
+              <a:cs typeface="Times New Roman" pitchFamily="18" charset="0"/>
+            </a:endParaRPr>
+          </a:p>
+          <a:p>
+            <a:pPr>
+              <a:lnSpc>
+                <a:spcPct val="150000"/>
+              </a:lnSpc>
+              <a:buFont typeface="Wingdings" pitchFamily="2" charset="2"/>
+              <a:buChar char="q"/>
+            </a:pPr>
+            <a:r>
+              <a:rPr lang="en-US" sz="1600" dirty="0"/>
+              <a:t>The </a:t>
+            </a:r>
+            <a:r>
+              <a:rPr lang="en-US" sz="1600" b="1" dirty="0"/>
+              <a:t>IFS</a:t>
+            </a:r>
+            <a:r>
+              <a:rPr lang="en-US" sz="1600" dirty="0"/>
+              <a:t> (Inter Frame Space) marks the space of time that is necessary for the </a:t>
+            </a:r>
+            <a:r>
+              <a:rPr lang="en-US" sz="1600" b="1" dirty="0"/>
+              <a:t>CAN</a:t>
+            </a:r>
+            <a:r>
+              <a:rPr lang="en-US" sz="1600" dirty="0"/>
+              <a:t> controller to transfer a correct received frame from the </a:t>
+            </a:r>
+            <a:r>
+              <a:rPr lang="en-US" sz="1600" dirty="0" smtClean="0"/>
+              <a:t>bus </a:t>
+            </a:r>
+            <a:r>
+              <a:rPr lang="en-US" sz="1600" dirty="0" err="1" smtClean="0"/>
+              <a:t>andler</a:t>
+            </a:r>
+            <a:r>
+              <a:rPr lang="en-US" sz="1600" dirty="0" smtClean="0"/>
+              <a:t> </a:t>
+            </a:r>
+            <a:r>
+              <a:rPr lang="en-US" sz="1600" dirty="0"/>
+              <a:t>to the corresponding place in the message buffer area. </a:t>
+            </a:r>
+            <a:r>
+              <a:rPr lang="en-US" sz="1600" b="1" dirty="0"/>
+              <a:t>Bus</a:t>
+            </a:r>
+            <a:r>
+              <a:rPr lang="en-US" sz="1600" dirty="0"/>
+              <a:t> it not used. Every </a:t>
+            </a:r>
+            <a:r>
+              <a:rPr lang="en-US" sz="1600" b="1" dirty="0"/>
+              <a:t>bus</a:t>
+            </a:r>
+            <a:r>
+              <a:rPr lang="en-US" sz="1600" dirty="0"/>
+              <a:t> node is allowed to start a message transfer</a:t>
+            </a:r>
+            <a:endParaRPr lang="en-US" sz="1600" dirty="0">
+              <a:latin typeface="Times New Roman" pitchFamily="18" charset="0"/>
+              <a:cs typeface="Times New Roman" pitchFamily="18" charset="0"/>
+            </a:endParaRPr>
           </a:p>
         </p:txBody>
       </p:sp>
@@ -5088,14 +5157,7 @@
                 <a:latin typeface="Times New Roman" pitchFamily="18" charset="0"/>
                 <a:cs typeface="Times New Roman" pitchFamily="18" charset="0"/>
               </a:rPr>
-              <a:t>	</a:t>
-            </a:r>
-            <a:r>
-              <a:rPr lang="en-US" sz="2700" b="1" i="1" dirty="0" smtClean="0">
-                <a:latin typeface="Times New Roman" pitchFamily="18" charset="0"/>
-                <a:cs typeface="Times New Roman" pitchFamily="18" charset="0"/>
-              </a:rPr>
-              <a:t>DATA FRAME-Standard </a:t>
+              <a:t>	DATA FRAME-Standard </a:t>
             </a:r>
             <a:r>
               <a:rPr lang="en-US" sz="2700" b="1" i="1" dirty="0">
